--- a/powerpoint/twist_stitch.pptx
+++ b/powerpoint/twist_stitch.pptx
@@ -243,7 +243,7 @@
           <a:p>
             <a:fld id="{9DF1ED94-BDBC-D74B-8638-89CABDF8037C}" type="datetimeFigureOut">
               <a:rPr kumimoji="1" lang="ja-JP" altLang="en-US" smtClean="0"/>
-              <a:t>2025/2/4</a:t>
+              <a:t>2025/2/5</a:t>
             </a:fld>
             <a:endParaRPr kumimoji="1" lang="ja-JP" altLang="en-US"/>
           </a:p>
@@ -445,7 +445,7 @@
           <a:p>
             <a:fld id="{9DF1ED94-BDBC-D74B-8638-89CABDF8037C}" type="datetimeFigureOut">
               <a:rPr kumimoji="1" lang="ja-JP" altLang="en-US" smtClean="0"/>
-              <a:t>2025/2/4</a:t>
+              <a:t>2025/2/5</a:t>
             </a:fld>
             <a:endParaRPr kumimoji="1" lang="ja-JP" altLang="en-US"/>
           </a:p>
@@ -657,7 +657,7 @@
           <a:p>
             <a:fld id="{9DF1ED94-BDBC-D74B-8638-89CABDF8037C}" type="datetimeFigureOut">
               <a:rPr kumimoji="1" lang="ja-JP" altLang="en-US" smtClean="0"/>
-              <a:t>2025/2/4</a:t>
+              <a:t>2025/2/5</a:t>
             </a:fld>
             <a:endParaRPr kumimoji="1" lang="ja-JP" altLang="en-US"/>
           </a:p>
@@ -859,7 +859,7 @@
           <a:p>
             <a:fld id="{9DF1ED94-BDBC-D74B-8638-89CABDF8037C}" type="datetimeFigureOut">
               <a:rPr kumimoji="1" lang="ja-JP" altLang="en-US" smtClean="0"/>
-              <a:t>2025/2/4</a:t>
+              <a:t>2025/2/5</a:t>
             </a:fld>
             <a:endParaRPr kumimoji="1" lang="ja-JP" altLang="en-US"/>
           </a:p>
@@ -1105,7 +1105,7 @@
           <a:p>
             <a:fld id="{9DF1ED94-BDBC-D74B-8638-89CABDF8037C}" type="datetimeFigureOut">
               <a:rPr kumimoji="1" lang="ja-JP" altLang="en-US" smtClean="0"/>
-              <a:t>2025/2/4</a:t>
+              <a:t>2025/2/5</a:t>
             </a:fld>
             <a:endParaRPr kumimoji="1" lang="ja-JP" altLang="en-US"/>
           </a:p>
@@ -1401,7 +1401,7 @@
           <a:p>
             <a:fld id="{9DF1ED94-BDBC-D74B-8638-89CABDF8037C}" type="datetimeFigureOut">
               <a:rPr kumimoji="1" lang="ja-JP" altLang="en-US" smtClean="0"/>
-              <a:t>2025/2/4</a:t>
+              <a:t>2025/2/5</a:t>
             </a:fld>
             <a:endParaRPr kumimoji="1" lang="ja-JP" altLang="en-US"/>
           </a:p>
@@ -1832,7 +1832,7 @@
           <a:p>
             <a:fld id="{9DF1ED94-BDBC-D74B-8638-89CABDF8037C}" type="datetimeFigureOut">
               <a:rPr kumimoji="1" lang="ja-JP" altLang="en-US" smtClean="0"/>
-              <a:t>2025/2/4</a:t>
+              <a:t>2025/2/5</a:t>
             </a:fld>
             <a:endParaRPr kumimoji="1" lang="ja-JP" altLang="en-US"/>
           </a:p>
@@ -1950,7 +1950,7 @@
           <a:p>
             <a:fld id="{9DF1ED94-BDBC-D74B-8638-89CABDF8037C}" type="datetimeFigureOut">
               <a:rPr kumimoji="1" lang="ja-JP" altLang="en-US" smtClean="0"/>
-              <a:t>2025/2/4</a:t>
+              <a:t>2025/2/5</a:t>
             </a:fld>
             <a:endParaRPr kumimoji="1" lang="ja-JP" altLang="en-US"/>
           </a:p>
@@ -2045,7 +2045,7 @@
           <a:p>
             <a:fld id="{9DF1ED94-BDBC-D74B-8638-89CABDF8037C}" type="datetimeFigureOut">
               <a:rPr kumimoji="1" lang="ja-JP" altLang="en-US" smtClean="0"/>
-              <a:t>2025/2/4</a:t>
+              <a:t>2025/2/5</a:t>
             </a:fld>
             <a:endParaRPr kumimoji="1" lang="ja-JP" altLang="en-US"/>
           </a:p>
@@ -2354,7 +2354,7 @@
           <a:p>
             <a:fld id="{9DF1ED94-BDBC-D74B-8638-89CABDF8037C}" type="datetimeFigureOut">
               <a:rPr kumimoji="1" lang="ja-JP" altLang="en-US" smtClean="0"/>
-              <a:t>2025/2/4</a:t>
+              <a:t>2025/2/5</a:t>
             </a:fld>
             <a:endParaRPr kumimoji="1" lang="ja-JP" altLang="en-US"/>
           </a:p>
@@ -2611,7 +2611,7 @@
           <a:p>
             <a:fld id="{9DF1ED94-BDBC-D74B-8638-89CABDF8037C}" type="datetimeFigureOut">
               <a:rPr kumimoji="1" lang="ja-JP" altLang="en-US" smtClean="0"/>
-              <a:t>2025/2/4</a:t>
+              <a:t>2025/2/5</a:t>
             </a:fld>
             <a:endParaRPr kumimoji="1" lang="ja-JP" altLang="en-US"/>
           </a:p>
@@ -2856,7 +2856,7 @@
           <a:p>
             <a:fld id="{9DF1ED94-BDBC-D74B-8638-89CABDF8037C}" type="datetimeFigureOut">
               <a:rPr kumimoji="1" lang="ja-JP" altLang="en-US" smtClean="0"/>
-              <a:t>2025/2/4</a:t>
+              <a:t>2025/2/5</a:t>
             </a:fld>
             <a:endParaRPr kumimoji="1" lang="ja-JP" altLang="en-US"/>
           </a:p>
@@ -3396,7 +3396,11 @@
             </a:pathLst>
           </a:custGeom>
           <a:noFill/>
-          <a:ln w="76200"/>
+          <a:ln w="1270000">
+            <a:solidFill>
+              <a:schemeClr val="tx1"/>
+            </a:solidFill>
+          </a:ln>
         </p:spPr>
         <p:style>
           <a:lnRef idx="2">
@@ -3438,7 +3442,7 @@
         <p:spPr>
           <a:xfrm>
             <a:off x="3172251" y="3950898"/>
-            <a:ext cx="4384489" cy="5417389"/>
+            <a:ext cx="4902074" cy="5607658"/>
           </a:xfrm>
           <a:custGeom>
             <a:avLst/>
@@ -3552,7 +3556,11 @@
             </a:pathLst>
           </a:custGeom>
           <a:noFill/>
-          <a:ln w="76200"/>
+          <a:ln w="1270000">
+            <a:solidFill>
+              <a:schemeClr val="tx1"/>
+            </a:solidFill>
+          </a:ln>
         </p:spPr>
         <p:style>
           <a:lnRef idx="2">
@@ -3594,7 +3602,7 @@
         <p:spPr>
           <a:xfrm>
             <a:off x="3295291" y="1241207"/>
-            <a:ext cx="4261449" cy="2709691"/>
+            <a:ext cx="4261449" cy="2916725"/>
           </a:xfrm>
           <a:custGeom>
             <a:avLst/>
@@ -3828,7 +3836,11 @@
             </a:pathLst>
           </a:custGeom>
           <a:noFill/>
-          <a:ln w="76200"/>
+          <a:ln w="1270000">
+            <a:solidFill>
+              <a:schemeClr val="tx1"/>
+            </a:solidFill>
+          </a:ln>
         </p:spPr>
         <p:style>
           <a:lnRef idx="2">
